--- a/breast-cancer-analysis/Documents/breast_cancer.pptx
+++ b/breast-cancer-analysis/Documents/breast_cancer.pptx
@@ -9,6 +9,9 @@
     <p:sldId id="257" r:id="rId8"/>
     <p:sldId id="258" r:id="rId9"/>
     <p:sldId id="259" r:id="rId10"/>
+    <p:sldId id="260" r:id="rId11"/>
+    <p:sldId id="261" r:id="rId12"/>
+    <p:sldId id="262" r:id="rId13"/>
   </p:sldIdLst>
   <p:sldSz cx="9144000" cy="6858000" type="screen4x3"/>
   <p:notesSz cx="6858000" cy="9144000"/>
@@ -3128,7 +3131,7 @@
           <a:lstStyle/>
           <a:p>
             <a:r>
-              <a:t>Analyzing the Impact of Dimensionality Reduction on Classification Performance</a:t>
+              <a:t>Dimensionality Reduction and Performance Analysis</a:t>
             </a:r>
           </a:p>
         </p:txBody>
@@ -3167,7 +3170,7 @@
           <a:lstStyle/>
           <a:p>
             <a:r>
-              <a:t>Dataset Description</a:t>
+              <a:t>Dataset Overview</a:t>
             </a:r>
           </a:p>
         </p:txBody>
@@ -3242,7 +3245,7 @@
           <a:lstStyle/>
           <a:p>
             <a:r>
-              <a:t>Methodology</a:t>
+              <a:t>Dimensionality Reduction Techniques</a:t>
             </a:r>
           </a:p>
         </p:txBody>
@@ -3263,22 +3266,17 @@
           <a:lstStyle/>
           <a:p>
             <a:r>
-              <a:t>1. Data Preprocessing</a:t>
-            </a:r>
-          </a:p>
-          <a:p>
-            <a:r>
-              <a:t>2. Dimensionality Reduction (PCA, LDA, t-SNE)</a:t>
-            </a:r>
-          </a:p>
-          <a:p>
-            <a:r>
-              <a:t>3. Classification Algorithms (Logistic Regression, KNN, SVM, etc.)</a:t>
-            </a:r>
-          </a:p>
-          <a:p>
-            <a:r>
-              <a:t>4. Performance Comparison</a:t>
+              <a:t>1. PCA: Retains maximum variance.</a:t>
+            </a:r>
+          </a:p>
+          <a:p>
+            <a:r>
+              <a:t>2. LDA: Maximizes class separability.</a:t>
+            </a:r>
+          </a:p>
+          <a:p>
+            <a:r>
+              <a:t>3. t-SNE: Preserves local structure in lower dimensions.</a:t>
             </a:r>
           </a:p>
         </p:txBody>
@@ -3317,7 +3315,7 @@
           <a:lstStyle/>
           <a:p>
             <a:r>
-              <a:t>Results and Findings</a:t>
+              <a:t>Methodology</a:t>
             </a:r>
           </a:p>
         </p:txBody>
@@ -3338,7 +3336,222 @@
           <a:lstStyle/>
           <a:p>
             <a:r>
-              <a:t>Detailed results will include performance metrics and visualizations.</a:t>
+              <a:t>1. Data Preprocessing</a:t>
+            </a:r>
+          </a:p>
+          <a:p>
+            <a:r>
+              <a:t>2. Applying PCA, LDA, t-SNE</a:t>
+            </a:r>
+          </a:p>
+          <a:p>
+            <a:r>
+              <a:t>3. Classification with Logistic Regression, Random Forest, SVM, etc.</a:t>
+            </a:r>
+          </a:p>
+          <a:p>
+            <a:r>
+              <a:t>4. Cross-validation and performance metrics</a:t>
+            </a:r>
+          </a:p>
+        </p:txBody>
+      </p:sp>
+    </p:spTree>
+  </p:cSld>
+  <p:clrMapOvr>
+    <a:masterClrMapping/>
+  </p:clrMapOvr>
+</p:sld>
+</file>
+
+<file path=ppt/slides/slide5.xml><?xml version="1.0" encoding="utf-8"?>
+<p:sld xmlns:a="http://schemas.openxmlformats.org/drawingml/2006/main" xmlns:p="http://schemas.openxmlformats.org/presentationml/2006/main" xmlns:r="http://schemas.openxmlformats.org/officeDocument/2006/relationships">
+  <p:cSld>
+    <p:spTree>
+      <p:nvGrpSpPr>
+        <p:cNvPr id="1" name=""/>
+        <p:cNvGrpSpPr/>
+        <p:nvPr/>
+      </p:nvGrpSpPr>
+      <p:grpSpPr/>
+      <p:sp>
+        <p:nvSpPr>
+          <p:cNvPr id="2" name="Title 1"/>
+          <p:cNvSpPr>
+            <a:spLocks noGrp="1"/>
+          </p:cNvSpPr>
+          <p:nvPr>
+            <p:ph type="title"/>
+          </p:nvPr>
+        </p:nvSpPr>
+        <p:spPr/>
+        <p:txBody>
+          <a:bodyPr/>
+          <a:lstStyle/>
+          <a:p>
+            <a:r>
+              <a:t>Results Overview</a:t>
+            </a:r>
+          </a:p>
+        </p:txBody>
+      </p:sp>
+      <p:sp>
+        <p:nvSpPr>
+          <p:cNvPr id="3" name="Content Placeholder 2"/>
+          <p:cNvSpPr>
+            <a:spLocks noGrp="1"/>
+          </p:cNvSpPr>
+          <p:nvPr>
+            <p:ph idx="1"/>
+          </p:nvPr>
+        </p:nvSpPr>
+        <p:spPr/>
+        <p:txBody>
+          <a:bodyPr/>
+          <a:lstStyle/>
+          <a:p>
+            <a:r>
+              <a:t>• PCA and LDA performed well on linear models.</a:t>
+            </a:r>
+          </a:p>
+          <a:p>
+            <a:r>
+              <a:t>• t-SNE provided useful visualizations but less impactful for accuracy.</a:t>
+            </a:r>
+          </a:p>
+          <a:p>
+            <a:r>
+              <a:t>• Results include accuracy, precision, recall, and F1 score.</a:t>
+            </a:r>
+          </a:p>
+        </p:txBody>
+      </p:sp>
+    </p:spTree>
+  </p:cSld>
+  <p:clrMapOvr>
+    <a:masterClrMapping/>
+  </p:clrMapOvr>
+</p:sld>
+</file>
+
+<file path=ppt/slides/slide6.xml><?xml version="1.0" encoding="utf-8"?>
+<p:sld xmlns:a="http://schemas.openxmlformats.org/drawingml/2006/main" xmlns:p="http://schemas.openxmlformats.org/presentationml/2006/main" xmlns:r="http://schemas.openxmlformats.org/officeDocument/2006/relationships">
+  <p:cSld>
+    <p:spTree>
+      <p:nvGrpSpPr>
+        <p:cNvPr id="1" name=""/>
+        <p:cNvGrpSpPr/>
+        <p:nvPr/>
+      </p:nvGrpSpPr>
+      <p:grpSpPr/>
+      <p:sp>
+        <p:nvSpPr>
+          <p:cNvPr id="2" name="Title 1"/>
+          <p:cNvSpPr>
+            <a:spLocks noGrp="1"/>
+          </p:cNvSpPr>
+          <p:nvPr>
+            <p:ph type="title"/>
+          </p:nvPr>
+        </p:nvSpPr>
+        <p:spPr/>
+        <p:txBody>
+          <a:bodyPr/>
+          <a:lstStyle/>
+          <a:p>
+            <a:r>
+              <a:t>Visualizations</a:t>
+            </a:r>
+          </a:p>
+        </p:txBody>
+      </p:sp>
+      <p:sp>
+        <p:nvSpPr>
+          <p:cNvPr id="3" name="Content Placeholder 2"/>
+          <p:cNvSpPr>
+            <a:spLocks noGrp="1"/>
+          </p:cNvSpPr>
+          <p:nvPr>
+            <p:ph idx="1"/>
+          </p:nvPr>
+        </p:nvSpPr>
+        <p:spPr/>
+        <p:txBody>
+          <a:bodyPr/>
+          <a:lstStyle/>
+          <a:p>
+            <a:r>
+              <a:t>Scatter plots for PCA and t-SNE, as well as classification performance comparisons.</a:t>
+            </a:r>
+          </a:p>
+        </p:txBody>
+      </p:sp>
+    </p:spTree>
+  </p:cSld>
+  <p:clrMapOvr>
+    <a:masterClrMapping/>
+  </p:clrMapOvr>
+</p:sld>
+</file>
+
+<file path=ppt/slides/slide7.xml><?xml version="1.0" encoding="utf-8"?>
+<p:sld xmlns:a="http://schemas.openxmlformats.org/drawingml/2006/main" xmlns:p="http://schemas.openxmlformats.org/presentationml/2006/main" xmlns:r="http://schemas.openxmlformats.org/officeDocument/2006/relationships">
+  <p:cSld>
+    <p:spTree>
+      <p:nvGrpSpPr>
+        <p:cNvPr id="1" name=""/>
+        <p:cNvGrpSpPr/>
+        <p:nvPr/>
+      </p:nvGrpSpPr>
+      <p:grpSpPr/>
+      <p:sp>
+        <p:nvSpPr>
+          <p:cNvPr id="2" name="Title 1"/>
+          <p:cNvSpPr>
+            <a:spLocks noGrp="1"/>
+          </p:cNvSpPr>
+          <p:nvPr>
+            <p:ph type="title"/>
+          </p:nvPr>
+        </p:nvSpPr>
+        <p:spPr/>
+        <p:txBody>
+          <a:bodyPr/>
+          <a:lstStyle/>
+          <a:p>
+            <a:r>
+              <a:t>Conclusions</a:t>
+            </a:r>
+          </a:p>
+        </p:txBody>
+      </p:sp>
+      <p:sp>
+        <p:nvSpPr>
+          <p:cNvPr id="3" name="Content Placeholder 2"/>
+          <p:cNvSpPr>
+            <a:spLocks noGrp="1"/>
+          </p:cNvSpPr>
+          <p:nvPr>
+            <p:ph idx="1"/>
+          </p:nvPr>
+        </p:nvSpPr>
+        <p:spPr/>
+        <p:txBody>
+          <a:bodyPr/>
+          <a:lstStyle/>
+          <a:p>
+            <a:r>
+              <a:t>• PCA and LDA are effective for linear separability.</a:t>
+            </a:r>
+          </a:p>
+          <a:p>
+            <a:r>
+              <a:t>• t-SNE excels in visualizing clusters.</a:t>
+            </a:r>
+          </a:p>
+          <a:p>
+            <a:r>
+              <a:t>• Dimensionality reduction enhances interpretability and sometimes performance.</a:t>
             </a:r>
           </a:p>
         </p:txBody>
